--- a/발표 ppt/한국공학-게임-스크립트언어-2020180018-최종발표.pptx
+++ b/발표 ppt/한국공학-게임-스크립트언어-2020180018-최종발표.pptx
@@ -13,7 +13,7 @@
     <p:sldId id="265" r:id="rId4"/>
     <p:sldId id="340" r:id="rId5"/>
     <p:sldId id="275" r:id="rId6"/>
-    <p:sldId id="270" r:id="rId7"/>
+    <p:sldId id="342" r:id="rId7"/>
     <p:sldId id="341" r:id="rId8"/>
   </p:sldIdLst>
   <p:sldSz cx="9144000" cy="5143500" type="screen16x9"/>
@@ -1275,7 +1275,7 @@
   <p:cSld>
     <p:spTree>
       <p:nvGrpSpPr>
-        <p:cNvPr id="1" name="Shape 376"/>
+        <p:cNvPr id="1" name="Shape 459"/>
         <p:cNvGrpSpPr/>
         <p:nvPr/>
       </p:nvGrpSpPr>
@@ -1289,7 +1289,7 @@
       </p:grpSpPr>
       <p:sp>
         <p:nvSpPr>
-          <p:cNvPr id="377" name="Google Shape;377;g6bad74673c_0_30:notes"/>
+          <p:cNvPr id="460" name="Google Shape;460;g6bad74673c_0_40:notes"/>
           <p:cNvSpPr>
             <a:spLocks noGrp="1" noRot="1" noChangeAspect="1"/>
           </p:cNvSpPr>
@@ -1330,7 +1330,7 @@
       </p:sp>
       <p:sp>
         <p:nvSpPr>
-          <p:cNvPr id="378" name="Google Shape;378;g6bad74673c_0_30:notes"/>
+          <p:cNvPr id="461" name="Google Shape;461;g6bad74673c_0_40:notes"/>
           <p:cNvSpPr txBox="1">
             <a:spLocks noGrp="1"/>
           </p:cNvSpPr>
@@ -1367,6 +1367,11 @@
         </p:txBody>
       </p:sp>
     </p:spTree>
+    <p:extLst>
+      <p:ext uri="{BB962C8B-B14F-4D97-AF65-F5344CB8AC3E}">
+        <p14:creationId xmlns:p14="http://schemas.microsoft.com/office/powerpoint/2010/main" val="1152157998"/>
+      </p:ext>
+    </p:extLst>
   </p:cSld>
   <p:clrMapOvr>
     <a:masterClrMapping/>
@@ -7174,292 +7179,6 @@
 </p:sldLayout>
 </file>
 
-<file path=ppt/slideLayouts/slideLayout7.xml><?xml version="1.0" encoding="utf-8"?>
-<p:sldLayout xmlns:a="http://schemas.openxmlformats.org/drawingml/2006/main" xmlns:r="http://schemas.openxmlformats.org/officeDocument/2006/relationships" xmlns:p="http://schemas.openxmlformats.org/presentationml/2006/main" matchingName="Title only 2">
-  <p:cSld name="TITLE_ONLY_1">
-    <p:spTree>
-      <p:nvGrpSpPr>
-        <p:cNvPr id="1" name="Shape 189"/>
-        <p:cNvGrpSpPr/>
-        <p:nvPr/>
-      </p:nvGrpSpPr>
-      <p:grpSpPr>
-        <a:xfrm>
-          <a:off x="0" y="0"/>
-          <a:ext cx="0" cy="0"/>
-          <a:chOff x="0" y="0"/>
-          <a:chExt cx="0" cy="0"/>
-        </a:xfrm>
-      </p:grpSpPr>
-      <p:sp>
-        <p:nvSpPr>
-          <p:cNvPr id="190" name="Google Shape;190;p26"/>
-          <p:cNvSpPr/>
-          <p:nvPr/>
-        </p:nvSpPr>
-        <p:spPr>
-          <a:xfrm>
-            <a:off x="7019600" y="-1024675"/>
-            <a:ext cx="1316100" cy="1316100"/>
-          </a:xfrm>
-          <a:prstGeom prst="teardrop">
-            <a:avLst>
-              <a:gd name="adj" fmla="val 100000"/>
-            </a:avLst>
-          </a:prstGeom>
-          <a:solidFill>
-            <a:schemeClr val="accent2"/>
-          </a:solidFill>
-          <a:ln>
-            <a:noFill/>
-          </a:ln>
-        </p:spPr>
-        <p:txBody>
-          <a:bodyPr spcFirstLastPara="1" wrap="square" lIns="91425" tIns="91425" rIns="91425" bIns="91425" anchor="ctr" anchorCtr="0">
-            <a:noAutofit/>
-          </a:bodyPr>
-          <a:lstStyle/>
-          <a:p>
-            <a:pPr marL="0" lvl="0" indent="0" algn="l" rtl="0">
-              <a:spcBef>
-                <a:spcPts val="0"/>
-              </a:spcBef>
-              <a:spcAft>
-                <a:spcPts val="0"/>
-              </a:spcAft>
-              <a:buNone/>
-            </a:pPr>
-            <a:endParaRPr/>
-          </a:p>
-        </p:txBody>
-      </p:sp>
-      <p:sp>
-        <p:nvSpPr>
-          <p:cNvPr id="191" name="Google Shape;191;p26"/>
-          <p:cNvSpPr/>
-          <p:nvPr/>
-        </p:nvSpPr>
-        <p:spPr>
-          <a:xfrm>
-            <a:off x="2563975" y="4928725"/>
-            <a:ext cx="890700" cy="890700"/>
-          </a:xfrm>
-          <a:prstGeom prst="teardrop">
-            <a:avLst>
-              <a:gd name="adj" fmla="val 100000"/>
-            </a:avLst>
-          </a:prstGeom>
-          <a:solidFill>
-            <a:schemeClr val="accent2"/>
-          </a:solidFill>
-          <a:ln>
-            <a:noFill/>
-          </a:ln>
-        </p:spPr>
-        <p:txBody>
-          <a:bodyPr spcFirstLastPara="1" wrap="square" lIns="91425" tIns="91425" rIns="91425" bIns="91425" anchor="ctr" anchorCtr="0">
-            <a:noAutofit/>
-          </a:bodyPr>
-          <a:lstStyle/>
-          <a:p>
-            <a:pPr marL="0" lvl="0" indent="0" algn="l" rtl="0">
-              <a:spcBef>
-                <a:spcPts val="0"/>
-              </a:spcBef>
-              <a:spcAft>
-                <a:spcPts val="0"/>
-              </a:spcAft>
-              <a:buNone/>
-            </a:pPr>
-            <a:endParaRPr/>
-          </a:p>
-        </p:txBody>
-      </p:sp>
-      <p:sp>
-        <p:nvSpPr>
-          <p:cNvPr id="192" name="Google Shape;192;p26"/>
-          <p:cNvSpPr txBox="1">
-            <a:spLocks noGrp="1"/>
-          </p:cNvSpPr>
-          <p:nvPr>
-            <p:ph type="ctrTitle"/>
-          </p:nvPr>
-        </p:nvSpPr>
-        <p:spPr>
-          <a:xfrm>
-            <a:off x="1365725" y="327500"/>
-            <a:ext cx="6412500" cy="629700"/>
-          </a:xfrm>
-          <a:prstGeom prst="rect">
-            <a:avLst/>
-          </a:prstGeom>
-        </p:spPr>
-        <p:txBody>
-          <a:bodyPr spcFirstLastPara="1" wrap="square" lIns="91425" tIns="91425" rIns="91425" bIns="91425" anchor="t" anchorCtr="0">
-            <a:noAutofit/>
-          </a:bodyPr>
-          <a:lstStyle>
-            <a:lvl1pPr lvl="0" algn="ctr" rtl="0">
-              <a:spcBef>
-                <a:spcPts val="0"/>
-              </a:spcBef>
-              <a:spcAft>
-                <a:spcPts val="0"/>
-              </a:spcAft>
-              <a:buSzPts val="2400"/>
-              <a:buNone/>
-              <a:defRPr sz="3000"/>
-            </a:lvl1pPr>
-            <a:lvl2pPr lvl="1" algn="r" rtl="0">
-              <a:spcBef>
-                <a:spcPts val="0"/>
-              </a:spcBef>
-              <a:spcAft>
-                <a:spcPts val="0"/>
-              </a:spcAft>
-              <a:buSzPts val="1400"/>
-              <a:buFont typeface="Ubuntu Condensed"/>
-              <a:buNone/>
-              <a:defRPr sz="1400">
-                <a:latin typeface="Ubuntu Condensed"/>
-                <a:ea typeface="Ubuntu Condensed"/>
-                <a:cs typeface="Ubuntu Condensed"/>
-                <a:sym typeface="Ubuntu Condensed"/>
-              </a:defRPr>
-            </a:lvl2pPr>
-            <a:lvl3pPr lvl="2" algn="r" rtl="0">
-              <a:spcBef>
-                <a:spcPts val="0"/>
-              </a:spcBef>
-              <a:spcAft>
-                <a:spcPts val="0"/>
-              </a:spcAft>
-              <a:buSzPts val="1400"/>
-              <a:buFont typeface="Ubuntu Condensed"/>
-              <a:buNone/>
-              <a:defRPr sz="1400">
-                <a:latin typeface="Ubuntu Condensed"/>
-                <a:ea typeface="Ubuntu Condensed"/>
-                <a:cs typeface="Ubuntu Condensed"/>
-                <a:sym typeface="Ubuntu Condensed"/>
-              </a:defRPr>
-            </a:lvl3pPr>
-            <a:lvl4pPr lvl="3" algn="r" rtl="0">
-              <a:spcBef>
-                <a:spcPts val="0"/>
-              </a:spcBef>
-              <a:spcAft>
-                <a:spcPts val="0"/>
-              </a:spcAft>
-              <a:buSzPts val="1400"/>
-              <a:buFont typeface="Ubuntu Condensed"/>
-              <a:buNone/>
-              <a:defRPr sz="1400">
-                <a:latin typeface="Ubuntu Condensed"/>
-                <a:ea typeface="Ubuntu Condensed"/>
-                <a:cs typeface="Ubuntu Condensed"/>
-                <a:sym typeface="Ubuntu Condensed"/>
-              </a:defRPr>
-            </a:lvl4pPr>
-            <a:lvl5pPr lvl="4" algn="r" rtl="0">
-              <a:spcBef>
-                <a:spcPts val="0"/>
-              </a:spcBef>
-              <a:spcAft>
-                <a:spcPts val="0"/>
-              </a:spcAft>
-              <a:buSzPts val="1400"/>
-              <a:buFont typeface="Ubuntu Condensed"/>
-              <a:buNone/>
-              <a:defRPr sz="1400">
-                <a:latin typeface="Ubuntu Condensed"/>
-                <a:ea typeface="Ubuntu Condensed"/>
-                <a:cs typeface="Ubuntu Condensed"/>
-                <a:sym typeface="Ubuntu Condensed"/>
-              </a:defRPr>
-            </a:lvl5pPr>
-            <a:lvl6pPr lvl="5" algn="r" rtl="0">
-              <a:spcBef>
-                <a:spcPts val="0"/>
-              </a:spcBef>
-              <a:spcAft>
-                <a:spcPts val="0"/>
-              </a:spcAft>
-              <a:buSzPts val="1400"/>
-              <a:buFont typeface="Ubuntu Condensed"/>
-              <a:buNone/>
-              <a:defRPr sz="1400">
-                <a:latin typeface="Ubuntu Condensed"/>
-                <a:ea typeface="Ubuntu Condensed"/>
-                <a:cs typeface="Ubuntu Condensed"/>
-                <a:sym typeface="Ubuntu Condensed"/>
-              </a:defRPr>
-            </a:lvl6pPr>
-            <a:lvl7pPr lvl="6" algn="r" rtl="0">
-              <a:spcBef>
-                <a:spcPts val="0"/>
-              </a:spcBef>
-              <a:spcAft>
-                <a:spcPts val="0"/>
-              </a:spcAft>
-              <a:buSzPts val="1400"/>
-              <a:buFont typeface="Ubuntu Condensed"/>
-              <a:buNone/>
-              <a:defRPr sz="1400">
-                <a:latin typeface="Ubuntu Condensed"/>
-                <a:ea typeface="Ubuntu Condensed"/>
-                <a:cs typeface="Ubuntu Condensed"/>
-                <a:sym typeface="Ubuntu Condensed"/>
-              </a:defRPr>
-            </a:lvl7pPr>
-            <a:lvl8pPr lvl="7" algn="r" rtl="0">
-              <a:spcBef>
-                <a:spcPts val="0"/>
-              </a:spcBef>
-              <a:spcAft>
-                <a:spcPts val="0"/>
-              </a:spcAft>
-              <a:buSzPts val="1400"/>
-              <a:buFont typeface="Ubuntu Condensed"/>
-              <a:buNone/>
-              <a:defRPr sz="1400">
-                <a:latin typeface="Ubuntu Condensed"/>
-                <a:ea typeface="Ubuntu Condensed"/>
-                <a:cs typeface="Ubuntu Condensed"/>
-                <a:sym typeface="Ubuntu Condensed"/>
-              </a:defRPr>
-            </a:lvl8pPr>
-            <a:lvl9pPr lvl="8" algn="r" rtl="0">
-              <a:spcBef>
-                <a:spcPts val="0"/>
-              </a:spcBef>
-              <a:spcAft>
-                <a:spcPts val="0"/>
-              </a:spcAft>
-              <a:buSzPts val="1400"/>
-              <a:buFont typeface="Ubuntu Condensed"/>
-              <a:buNone/>
-              <a:defRPr sz="1400">
-                <a:latin typeface="Ubuntu Condensed"/>
-                <a:ea typeface="Ubuntu Condensed"/>
-                <a:cs typeface="Ubuntu Condensed"/>
-                <a:sym typeface="Ubuntu Condensed"/>
-              </a:defRPr>
-            </a:lvl9pPr>
-          </a:lstStyle>
-          <a:p>
-            <a:endParaRPr/>
-          </a:p>
-        </p:txBody>
-      </p:sp>
-    </p:spTree>
-  </p:cSld>
-  <p:clrMapOvr>
-    <a:masterClrMapping/>
-  </p:clrMapOvr>
-</p:sldLayout>
-</file>
-
 <file path=ppt/slideMasters/slideMaster1.xml><?xml version="1.0" encoding="utf-8"?>
 <p:sldMaster xmlns:a="http://schemas.openxmlformats.org/drawingml/2006/main" xmlns:r="http://schemas.openxmlformats.org/officeDocument/2006/relationships" xmlns:p="http://schemas.openxmlformats.org/presentationml/2006/main">
   <p:cSld name="simple-light-2">
@@ -8004,7 +7723,6 @@
     <p:sldLayoutId id="2147483658" r:id="rId4"/>
     <p:sldLayoutId id="2147483660" r:id="rId5"/>
     <p:sldLayoutId id="2147483666" r:id="rId6"/>
-    <p:sldLayoutId id="2147483672" r:id="rId7"/>
   </p:sldLayoutIdLst>
   <p:hf sldNum="0" hdr="0" ftr="0" dt="0"/>
   <p:txStyles>
@@ -13922,7 +13640,7 @@
                 <a:latin typeface="배달의민족 한나체 Air" panose="020B0600000101010101" pitchFamily="50" charset="-127"/>
                 <a:ea typeface="배달의민족 한나체 Air" panose="020B0600000101010101" pitchFamily="50" charset="-127"/>
               </a:rPr>
-              <a:t>개발 진행 결과</a:t>
+              <a:t>소스 설명</a:t>
             </a:r>
             <a:br>
               <a:rPr lang="en-US" altLang="ko-KR" b="1" dirty="0">
@@ -29557,7 +29275,7 @@
   <p:cSld>
     <p:spTree>
       <p:nvGrpSpPr>
-        <p:cNvPr id="1" name="Shape 379"/>
+        <p:cNvPr id="1" name="Shape 462"/>
         <p:cNvGrpSpPr/>
         <p:nvPr/>
       </p:nvGrpSpPr>
@@ -29569,20 +29287,70 @@
           <a:chExt cx="0" cy="0"/>
         </a:xfrm>
       </p:grpSpPr>
+      <p:sp>
+        <p:nvSpPr>
+          <p:cNvPr id="469" name="Google Shape;469;p50"/>
+          <p:cNvSpPr txBox="1">
+            <a:spLocks noGrp="1"/>
+          </p:cNvSpPr>
+          <p:nvPr>
+            <p:ph type="ctrTitle"/>
+          </p:nvPr>
+        </p:nvSpPr>
+        <p:spPr>
+          <a:xfrm>
+            <a:off x="1365725" y="327500"/>
+            <a:ext cx="6412500" cy="629700"/>
+          </a:xfrm>
+          <a:prstGeom prst="rect">
+            <a:avLst/>
+          </a:prstGeom>
+        </p:spPr>
+        <p:txBody>
+          <a:bodyPr spcFirstLastPara="1" wrap="square" lIns="91425" tIns="91425" rIns="91425" bIns="91425" anchor="t" anchorCtr="0">
+            <a:noAutofit/>
+          </a:bodyPr>
+          <a:lstStyle/>
+          <a:p>
+            <a:pPr marL="0" lvl="0" indent="0" algn="ctr" rtl="0">
+              <a:spcBef>
+                <a:spcPts val="0"/>
+              </a:spcBef>
+              <a:spcAft>
+                <a:spcPts val="0"/>
+              </a:spcAft>
+              <a:buNone/>
+            </a:pPr>
+            <a:r>
+              <a:rPr lang="ko-KR" altLang="en-US" b="1" dirty="0">
+                <a:latin typeface="배달의민족 한나는 열한살" panose="020B0600000101010101" pitchFamily="50" charset="-127"/>
+                <a:ea typeface="배달의민족 한나는 열한살" panose="020B0600000101010101" pitchFamily="50" charset="-127"/>
+              </a:rPr>
+              <a:t>소스 설명</a:t>
+            </a:r>
+          </a:p>
+        </p:txBody>
+      </p:sp>
       <p:graphicFrame>
         <p:nvGraphicFramePr>
-          <p:cNvPr id="380" name="Google Shape;380;p45"/>
+          <p:cNvPr id="5" name="Google Shape;380;p45">
+            <a:extLst>
+              <a:ext uri="{FF2B5EF4-FFF2-40B4-BE49-F238E27FC236}">
+                <a16:creationId xmlns:a16="http://schemas.microsoft.com/office/drawing/2014/main" id="{56645F77-7AE1-BCAF-4A48-648E1198A168}"/>
+              </a:ext>
+            </a:extLst>
+          </p:cNvPr>
           <p:cNvGraphicFramePr/>
           <p:nvPr>
             <p:extLst>
               <p:ext uri="{D42A27DB-BD31-4B8C-83A1-F6EECF244321}">
-                <p14:modId xmlns:p14="http://schemas.microsoft.com/office/powerpoint/2010/main" val="3388500594"/>
+                <p14:modId xmlns:p14="http://schemas.microsoft.com/office/powerpoint/2010/main" val="3446473628"/>
               </p:ext>
             </p:extLst>
           </p:nvPr>
         </p:nvGraphicFramePr>
         <p:xfrm>
-          <a:off x="1" y="957200"/>
+          <a:off x="1" y="830822"/>
           <a:ext cx="9144000" cy="1828680"/>
         </p:xfrm>
         <a:graphic>
@@ -29630,7 +29398,19 @@
                         </a:spcAft>
                         <a:buNone/>
                       </a:pPr>
-                      <a:endParaRPr b="1">
+                      <a:r>
+                        <a:rPr lang="ko-KR" altLang="en-US" sz="1800" b="1" dirty="0" err="1">
+                          <a:solidFill>
+                            <a:schemeClr val="dk1"/>
+                          </a:solidFill>
+                          <a:latin typeface="배달의민족 한나체 Air" panose="020B0600000101010101" pitchFamily="50" charset="-127"/>
+                          <a:ea typeface="배달의민족 한나체 Air" panose="020B0600000101010101" pitchFamily="50" charset="-127"/>
+                          <a:cs typeface="Livvic"/>
+                          <a:sym typeface="Livvic"/>
+                        </a:rPr>
+                        <a:t>소스명</a:t>
+                      </a:r>
+                      <a:endParaRPr sz="1800" b="1" dirty="0">
                         <a:solidFill>
                           <a:schemeClr val="dk1"/>
                         </a:solidFill>
@@ -29712,7 +29492,7 @@
                           <a:cs typeface="Livvic Medium"/>
                           <a:sym typeface="Livvic Medium"/>
                         </a:rPr>
-                        <a:t>세부 계획</a:t>
+                        <a:t>용도</a:t>
                       </a:r>
                       <a:endParaRPr sz="1800" b="1" dirty="0">
                         <a:solidFill>
@@ -29796,7 +29576,7 @@
                           <a:cs typeface="Livvic Medium"/>
                           <a:sym typeface="Livvic Medium"/>
                         </a:rPr>
-                        <a:t>구현 수준</a:t>
+                        <a:t>분류</a:t>
                       </a:r>
                       <a:endParaRPr sz="1800" b="1" dirty="0">
                         <a:solidFill>
@@ -29878,7 +29658,7 @@
                         <a:buNone/>
                       </a:pPr>
                       <a:r>
-                        <a:rPr lang="en" sz="1800" dirty="0">
+                        <a:rPr lang="en-US" sz="1800" dirty="0">
                           <a:solidFill>
                             <a:schemeClr val="dk1"/>
                           </a:solidFill>
@@ -29887,19 +29667,7 @@
                           <a:cs typeface="Livvic Medium"/>
                           <a:sym typeface="Livvic Medium"/>
                         </a:rPr>
-                        <a:t>1</a:t>
-                      </a:r>
-                      <a:r>
-                        <a:rPr lang="ko-KR" altLang="en-US" sz="1800" dirty="0">
-                          <a:solidFill>
-                            <a:schemeClr val="dk1"/>
-                          </a:solidFill>
-                          <a:latin typeface="배달의민족 한나체 Air" panose="020B0600000101010101" pitchFamily="50" charset="-127"/>
-                          <a:ea typeface="배달의민족 한나체 Air" panose="020B0600000101010101" pitchFamily="50" charset="-127"/>
-                          <a:cs typeface="Livvic Medium"/>
-                          <a:sym typeface="Livvic Medium"/>
-                        </a:rPr>
-                        <a:t>주차</a:t>
+                        <a:t>noti.py</a:t>
                       </a:r>
                       <a:endParaRPr sz="1800" dirty="0">
                         <a:solidFill>
@@ -29983,31 +29751,7 @@
                           <a:cs typeface="Lato Light"/>
                           <a:sym typeface="Lato Light"/>
                         </a:rPr>
-                        <a:t>주제 선정</a:t>
-                      </a:r>
-                      <a:r>
-                        <a:rPr lang="en-US" altLang="ko-KR" dirty="0">
-                          <a:solidFill>
-                            <a:schemeClr val="dk1"/>
-                          </a:solidFill>
-                          <a:latin typeface="배달의민족 한나체 Air" panose="020B0600000101010101" pitchFamily="50" charset="-127"/>
-                          <a:ea typeface="배달의민족 한나체 Air" panose="020B0600000101010101" pitchFamily="50" charset="-127"/>
-                          <a:cs typeface="Lato Light"/>
-                          <a:sym typeface="Lato Light"/>
-                        </a:rPr>
-                        <a:t>, OPEN API </a:t>
-                      </a:r>
-                      <a:r>
-                        <a:rPr lang="ko-KR" altLang="en-US" dirty="0">
-                          <a:solidFill>
-                            <a:schemeClr val="dk1"/>
-                          </a:solidFill>
-                          <a:latin typeface="배달의민족 한나체 Air" panose="020B0600000101010101" pitchFamily="50" charset="-127"/>
-                          <a:ea typeface="배달의민족 한나체 Air" panose="020B0600000101010101" pitchFamily="50" charset="-127"/>
-                          <a:cs typeface="Lato Light"/>
-                          <a:sym typeface="Lato Light"/>
-                        </a:rPr>
-                        <a:t>검색</a:t>
+                        <a:t>봇 서버와 통신</a:t>
                       </a:r>
                       <a:endParaRPr dirty="0">
                         <a:solidFill>
@@ -30082,7 +29826,7 @@
                         <a:buNone/>
                       </a:pPr>
                       <a:r>
-                        <a:rPr lang="en" dirty="0">
+                        <a:rPr lang="ko-KR" altLang="en-US" dirty="0" err="1">
                           <a:solidFill>
                             <a:schemeClr val="dk1"/>
                           </a:solidFill>
@@ -30091,7 +29835,19 @@
                           <a:cs typeface="Lato Light"/>
                           <a:sym typeface="Lato Light"/>
                         </a:rPr>
-                        <a:t>100</a:t>
+                        <a:t>텔레그램</a:t>
+                      </a:r>
+                      <a:r>
+                        <a:rPr lang="ko-KR" altLang="en-US" dirty="0">
+                          <a:solidFill>
+                            <a:schemeClr val="dk1"/>
+                          </a:solidFill>
+                          <a:latin typeface="배달의민족 한나체 Air" panose="020B0600000101010101" pitchFamily="50" charset="-127"/>
+                          <a:ea typeface="배달의민족 한나체 Air" panose="020B0600000101010101" pitchFamily="50" charset="-127"/>
+                          <a:cs typeface="Lato Light"/>
+                          <a:sym typeface="Lato Light"/>
+                        </a:rPr>
+                        <a:t> 봇</a:t>
                       </a:r>
                       <a:endParaRPr dirty="0">
                         <a:solidFill>
@@ -30173,7 +29929,7 @@
                         <a:buNone/>
                       </a:pPr>
                       <a:r>
-                        <a:rPr lang="en" sz="1800" dirty="0">
+                        <a:rPr lang="en-US" sz="1800" dirty="0">
                           <a:solidFill>
                             <a:schemeClr val="dk1"/>
                           </a:solidFill>
@@ -30182,19 +29938,7 @@
                           <a:cs typeface="Livvic Medium"/>
                           <a:sym typeface="Livvic Medium"/>
                         </a:rPr>
-                        <a:t>2</a:t>
-                      </a:r>
-                      <a:r>
-                        <a:rPr lang="ko-KR" altLang="en-US" sz="1800" dirty="0">
-                          <a:solidFill>
-                            <a:schemeClr val="dk1"/>
-                          </a:solidFill>
-                          <a:latin typeface="배달의민족 한나체 Air" panose="020B0600000101010101" pitchFamily="50" charset="-127"/>
-                          <a:ea typeface="배달의민족 한나체 Air" panose="020B0600000101010101" pitchFamily="50" charset="-127"/>
-                          <a:cs typeface="Livvic Medium"/>
-                          <a:sym typeface="Livvic Medium"/>
-                        </a:rPr>
-                        <a:t>주차</a:t>
+                        <a:t>teller.py</a:t>
                       </a:r>
                       <a:endParaRPr sz="1800" dirty="0">
                         <a:solidFill>
@@ -30269,7 +30013,7 @@
                         <a:buNone/>
                       </a:pPr>
                       <a:r>
-                        <a:rPr lang="en" dirty="0">
+                        <a:rPr lang="ko-KR" altLang="en-US" dirty="0">
                           <a:solidFill>
                             <a:schemeClr val="dk1"/>
                           </a:solidFill>
@@ -30278,7 +30022,19 @@
                           <a:cs typeface="Lato Light"/>
                           <a:sym typeface="Lato Light"/>
                         </a:rPr>
-                        <a:t>UI </a:t>
+                        <a:t>사용자 입력에 대응 </a:t>
+                      </a:r>
+                      <a:r>
+                        <a:rPr lang="en-US" altLang="ko-KR" dirty="0">
+                          <a:solidFill>
+                            <a:schemeClr val="dk1"/>
+                          </a:solidFill>
+                          <a:latin typeface="배달의민족 한나체 Air" panose="020B0600000101010101" pitchFamily="50" charset="-127"/>
+                          <a:ea typeface="배달의민족 한나체 Air" panose="020B0600000101010101" pitchFamily="50" charset="-127"/>
+                          <a:cs typeface="Lato Light"/>
+                          <a:sym typeface="Lato Light"/>
+                        </a:rPr>
+                        <a:t>(</a:t>
                       </a:r>
                       <a:r>
                         <a:rPr lang="ko-KR" altLang="en-US" dirty="0">
@@ -30290,7 +30046,19 @@
                           <a:cs typeface="Lato Light"/>
                           <a:sym typeface="Lato Light"/>
                         </a:rPr>
-                        <a:t>구상 및 실제 구현 연습</a:t>
+                        <a:t>메인 모듈</a:t>
+                      </a:r>
+                      <a:r>
+                        <a:rPr lang="en-US" altLang="ko-KR" dirty="0">
+                          <a:solidFill>
+                            <a:schemeClr val="dk1"/>
+                          </a:solidFill>
+                          <a:latin typeface="배달의민족 한나체 Air" panose="020B0600000101010101" pitchFamily="50" charset="-127"/>
+                          <a:ea typeface="배달의민족 한나체 Air" panose="020B0600000101010101" pitchFamily="50" charset="-127"/>
+                          <a:cs typeface="Lato Light"/>
+                          <a:sym typeface="Lato Light"/>
+                        </a:rPr>
+                        <a:t>)</a:t>
                       </a:r>
                       <a:endParaRPr dirty="0">
                         <a:solidFill>
@@ -30365,7 +30133,7 @@
                         <a:buNone/>
                       </a:pPr>
                       <a:r>
-                        <a:rPr lang="en" dirty="0">
+                        <a:rPr lang="ko-KR" altLang="en-US" dirty="0" err="1">
                           <a:solidFill>
                             <a:schemeClr val="dk1"/>
                           </a:solidFill>
@@ -30374,7 +30142,19 @@
                           <a:cs typeface="Lato Light"/>
                           <a:sym typeface="Lato Light"/>
                         </a:rPr>
-                        <a:t>100</a:t>
+                        <a:t>텔레그램</a:t>
+                      </a:r>
+                      <a:r>
+                        <a:rPr lang="ko-KR" altLang="en-US" dirty="0">
+                          <a:solidFill>
+                            <a:schemeClr val="dk1"/>
+                          </a:solidFill>
+                          <a:latin typeface="배달의민족 한나체 Air" panose="020B0600000101010101" pitchFamily="50" charset="-127"/>
+                          <a:ea typeface="배달의민족 한나체 Air" panose="020B0600000101010101" pitchFamily="50" charset="-127"/>
+                          <a:cs typeface="Lato Light"/>
+                          <a:sym typeface="Lato Light"/>
+                        </a:rPr>
+                        <a:t> 봇</a:t>
                       </a:r>
                       <a:endParaRPr dirty="0">
                         <a:solidFill>
@@ -30456,7 +30236,7 @@
                         <a:buNone/>
                       </a:pPr>
                       <a:r>
-                        <a:rPr lang="en" sz="1800" dirty="0">
+                        <a:rPr lang="en-US" sz="1800" dirty="0">
                           <a:solidFill>
                             <a:schemeClr val="dk1"/>
                           </a:solidFill>
@@ -30465,19 +30245,7 @@
                           <a:cs typeface="Livvic Medium"/>
                           <a:sym typeface="Livvic Medium"/>
                         </a:rPr>
-                        <a:t>3</a:t>
-                      </a:r>
-                      <a:r>
-                        <a:rPr lang="ko-KR" altLang="en-US" sz="1800" dirty="0">
-                          <a:solidFill>
-                            <a:schemeClr val="dk1"/>
-                          </a:solidFill>
-                          <a:latin typeface="배달의민족 한나체 Air" panose="020B0600000101010101" pitchFamily="50" charset="-127"/>
-                          <a:ea typeface="배달의민족 한나체 Air" panose="020B0600000101010101" pitchFamily="50" charset="-127"/>
-                          <a:cs typeface="Livvic Medium"/>
-                          <a:sym typeface="Livvic Medium"/>
-                        </a:rPr>
-                        <a:t>주차</a:t>
+                        <a:t>graph.py</a:t>
                       </a:r>
                       <a:endParaRPr lang="en-US" altLang="ko-KR" sz="1800" dirty="0">
                         <a:solidFill>
@@ -30552,18 +30320,6 @@
                         <a:buNone/>
                       </a:pPr>
                       <a:r>
-                        <a:rPr lang="en" dirty="0">
-                          <a:solidFill>
-                            <a:schemeClr val="dk1"/>
-                          </a:solidFill>
-                          <a:latin typeface="배달의민족 한나체 Air" panose="020B0600000101010101" pitchFamily="50" charset="-127"/>
-                          <a:ea typeface="배달의민족 한나체 Air" panose="020B0600000101010101" pitchFamily="50" charset="-127"/>
-                          <a:cs typeface="Lato Light"/>
-                          <a:sym typeface="Lato Light"/>
-                        </a:rPr>
-                        <a:t>UI </a:t>
-                      </a:r>
-                      <a:r>
                         <a:rPr lang="ko-KR" altLang="en-US" dirty="0">
                           <a:solidFill>
                             <a:schemeClr val="dk1"/>
@@ -30573,31 +30329,7 @@
                           <a:cs typeface="Lato Light"/>
                           <a:sym typeface="Lato Light"/>
                         </a:rPr>
-                        <a:t>및 기본 검색 구현</a:t>
-                      </a:r>
-                      <a:r>
-                        <a:rPr lang="en-US" altLang="ko-KR" dirty="0">
-                          <a:solidFill>
-                            <a:schemeClr val="dk1"/>
-                          </a:solidFill>
-                          <a:latin typeface="배달의민족 한나체 Air" panose="020B0600000101010101" pitchFamily="50" charset="-127"/>
-                          <a:ea typeface="배달의민족 한나체 Air" panose="020B0600000101010101" pitchFamily="50" charset="-127"/>
-                          <a:cs typeface="Lato Light"/>
-                          <a:sym typeface="Lato Light"/>
-                        </a:rPr>
-                        <a:t>, </a:t>
-                      </a:r>
-                      <a:r>
-                        <a:rPr lang="ko-KR" altLang="en-US" dirty="0">
-                          <a:solidFill>
-                            <a:schemeClr val="dk1"/>
-                          </a:solidFill>
-                          <a:latin typeface="배달의민족 한나체 Air" panose="020B0600000101010101" pitchFamily="50" charset="-127"/>
-                          <a:ea typeface="배달의민족 한나체 Air" panose="020B0600000101010101" pitchFamily="50" charset="-127"/>
-                          <a:cs typeface="Lato Light"/>
-                          <a:sym typeface="Lato Light"/>
-                        </a:rPr>
-                        <a:t>기획 발표</a:t>
+                        <a:t>그래프 출력과 연관된 함수</a:t>
                       </a:r>
                       <a:endParaRPr dirty="0">
                         <a:solidFill>
@@ -30672,7 +30404,7 @@
                         <a:buNone/>
                       </a:pPr>
                       <a:r>
-                        <a:rPr lang="en" dirty="0">
+                        <a:rPr lang="ko-KR" altLang="en-US" dirty="0">
                           <a:solidFill>
                             <a:schemeClr val="dk1"/>
                           </a:solidFill>
@@ -30681,7 +30413,7 @@
                           <a:cs typeface="Lato Light"/>
                           <a:sym typeface="Lato Light"/>
                         </a:rPr>
-                        <a:t>100</a:t>
+                        <a:t>모듈</a:t>
                       </a:r>
                       <a:endParaRPr dirty="0">
                         <a:solidFill>
@@ -30751,60 +30483,12 @@
           </a:graphicData>
         </a:graphic>
       </p:graphicFrame>
-      <p:sp>
-        <p:nvSpPr>
-          <p:cNvPr id="424" name="Google Shape;424;p45"/>
-          <p:cNvSpPr txBox="1">
-            <a:spLocks noGrp="1"/>
-          </p:cNvSpPr>
-          <p:nvPr>
-            <p:ph type="ctrTitle"/>
-          </p:nvPr>
-        </p:nvSpPr>
-        <p:spPr>
-          <a:xfrm>
-            <a:off x="1365725" y="327500"/>
-            <a:ext cx="6412500" cy="629700"/>
-          </a:xfrm>
-          <a:prstGeom prst="rect">
-            <a:avLst/>
-          </a:prstGeom>
-        </p:spPr>
-        <p:txBody>
-          <a:bodyPr spcFirstLastPara="1" wrap="square" lIns="91425" tIns="91425" rIns="91425" bIns="91425" anchor="t" anchorCtr="0">
-            <a:noAutofit/>
-          </a:bodyPr>
-          <a:lstStyle/>
-          <a:p>
-            <a:pPr marL="0" lvl="0" indent="0" rtl="0">
-              <a:spcBef>
-                <a:spcPts val="0"/>
-              </a:spcBef>
-              <a:spcAft>
-                <a:spcPts val="0"/>
-              </a:spcAft>
-              <a:buNone/>
-            </a:pPr>
-            <a:r>
-              <a:rPr lang="ko-KR" altLang="en-US" dirty="0">
-                <a:latin typeface="배달의민족 한나는 열한살" panose="020B0600000101010101" pitchFamily="50" charset="-127"/>
-                <a:ea typeface="배달의민족 한나는 열한살" panose="020B0600000101010101" pitchFamily="50" charset="-127"/>
-              </a:rPr>
-              <a:t>개발 진행 결과</a:t>
-            </a:r>
-            <a:endParaRPr dirty="0">
-              <a:latin typeface="배달의민족 한나는 열한살" panose="020B0600000101010101" pitchFamily="50" charset="-127"/>
-              <a:ea typeface="배달의민족 한나는 열한살" panose="020B0600000101010101" pitchFamily="50" charset="-127"/>
-            </a:endParaRPr>
-          </a:p>
-        </p:txBody>
-      </p:sp>
       <p:graphicFrame>
         <p:nvGraphicFramePr>
-          <p:cNvPr id="48" name="Google Shape;380;p45">
+          <p:cNvPr id="7" name="Google Shape;380;p45">
             <a:extLst>
               <a:ext uri="{FF2B5EF4-FFF2-40B4-BE49-F238E27FC236}">
-                <a16:creationId xmlns:a16="http://schemas.microsoft.com/office/drawing/2014/main" id="{10138285-3946-2EE0-9CD7-403E388BE6BF}"/>
+                <a16:creationId xmlns:a16="http://schemas.microsoft.com/office/drawing/2014/main" id="{48ED2800-304E-0F8B-0AC0-3F7076FF4FB3}"/>
               </a:ext>
             </a:extLst>
           </p:cNvPr>
@@ -30812,13 +30496,13 @@
           <p:nvPr>
             <p:extLst>
               <p:ext uri="{D42A27DB-BD31-4B8C-83A1-F6EECF244321}">
-                <p14:modId xmlns:p14="http://schemas.microsoft.com/office/powerpoint/2010/main" val="3681602937"/>
+                <p14:modId xmlns:p14="http://schemas.microsoft.com/office/powerpoint/2010/main" val="242379267"/>
               </p:ext>
             </p:extLst>
           </p:nvPr>
         </p:nvGraphicFramePr>
         <p:xfrm>
-          <a:off x="-177" y="2369104"/>
+          <a:off x="-177" y="2242726"/>
           <a:ext cx="9147025" cy="1828680"/>
         </p:xfrm>
         <a:graphic>
@@ -31090,7 +30774,7 @@
                         <a:buNone/>
                       </a:pPr>
                       <a:r>
-                        <a:rPr lang="en" sz="1800" dirty="0">
+                        <a:rPr lang="en-US" sz="1800" dirty="0">
                           <a:solidFill>
                             <a:schemeClr val="dk1"/>
                           </a:solidFill>
@@ -31099,19 +30783,7 @@
                           <a:cs typeface="Livvic Medium"/>
                           <a:sym typeface="Livvic Medium"/>
                         </a:rPr>
-                        <a:t>4</a:t>
-                      </a:r>
-                      <a:r>
-                        <a:rPr lang="ko-KR" altLang="en-US" sz="1800" dirty="0">
-                          <a:solidFill>
-                            <a:schemeClr val="dk1"/>
-                          </a:solidFill>
-                          <a:latin typeface="배달의민족 한나체 Air" panose="020B0600000101010101" pitchFamily="50" charset="-127"/>
-                          <a:ea typeface="배달의민족 한나체 Air" panose="020B0600000101010101" pitchFamily="50" charset="-127"/>
-                          <a:cs typeface="Livvic Medium"/>
-                          <a:sym typeface="Livvic Medium"/>
-                        </a:rPr>
-                        <a:t>주차</a:t>
+                        <a:t>image.py</a:t>
                       </a:r>
                       <a:endParaRPr sz="1800" dirty="0">
                         <a:solidFill>
@@ -31195,55 +30867,7 @@
                           <a:cs typeface="Lato Light"/>
                           <a:sym typeface="Lato Light"/>
                         </a:rPr>
-                        <a:t>카테고리 적용</a:t>
-                      </a:r>
-                      <a:r>
-                        <a:rPr lang="en-US" altLang="ko-KR" dirty="0">
-                          <a:solidFill>
-                            <a:schemeClr val="dk1"/>
-                          </a:solidFill>
-                          <a:latin typeface="배달의민족 한나체 Air" panose="020B0600000101010101" pitchFamily="50" charset="-127"/>
-                          <a:ea typeface="배달의민족 한나체 Air" panose="020B0600000101010101" pitchFamily="50" charset="-127"/>
-                          <a:cs typeface="Lato Light"/>
-                          <a:sym typeface="Lato Light"/>
-                        </a:rPr>
-                        <a:t>, </a:t>
-                      </a:r>
-                      <a:r>
-                        <a:rPr lang="ko-KR" altLang="en-US" dirty="0">
-                          <a:solidFill>
-                            <a:schemeClr val="dk1"/>
-                          </a:solidFill>
-                          <a:latin typeface="배달의민족 한나체 Air" panose="020B0600000101010101" pitchFamily="50" charset="-127"/>
-                          <a:ea typeface="배달의민족 한나체 Air" panose="020B0600000101010101" pitchFamily="50" charset="-127"/>
-                          <a:cs typeface="Lato Light"/>
-                          <a:sym typeface="Lato Light"/>
-                        </a:rPr>
-                        <a:t>이메일 전송</a:t>
-                      </a:r>
-                      <a:r>
-                        <a:rPr lang="en-US" altLang="ko-KR" dirty="0">
-                          <a:solidFill>
-                            <a:schemeClr val="dk1"/>
-                          </a:solidFill>
-                          <a:latin typeface="배달의민족 한나체 Air" panose="020B0600000101010101" pitchFamily="50" charset="-127"/>
-                          <a:ea typeface="배달의민족 한나체 Air" panose="020B0600000101010101" pitchFamily="50" charset="-127"/>
-                          <a:cs typeface="Lato Light"/>
-                          <a:sym typeface="Lato Light"/>
-                        </a:rPr>
-                        <a:t>, </a:t>
-                      </a:r>
-                      <a:r>
-                        <a:rPr lang="ko-KR" altLang="en-US" dirty="0">
-                          <a:solidFill>
-                            <a:schemeClr val="dk1"/>
-                          </a:solidFill>
-                          <a:latin typeface="배달의민족 한나체 Air" panose="020B0600000101010101" pitchFamily="50" charset="-127"/>
-                          <a:ea typeface="배달의민족 한나체 Air" panose="020B0600000101010101" pitchFamily="50" charset="-127"/>
-                          <a:cs typeface="Lato Light"/>
-                          <a:sym typeface="Lato Light"/>
-                        </a:rPr>
-                        <a:t>지도 구현</a:t>
+                        <a:t>이미지 설정 클래스</a:t>
                       </a:r>
                       <a:endParaRPr dirty="0">
                         <a:solidFill>
@@ -31318,7 +30942,7 @@
                         <a:buNone/>
                       </a:pPr>
                       <a:r>
-                        <a:rPr lang="en" dirty="0">
+                        <a:rPr lang="ko-KR" altLang="en-US" dirty="0">
                           <a:solidFill>
                             <a:schemeClr val="dk1"/>
                           </a:solidFill>
@@ -31327,7 +30951,7 @@
                           <a:cs typeface="Lato Light"/>
                           <a:sym typeface="Lato Light"/>
                         </a:rPr>
-                        <a:t>100</a:t>
+                        <a:t>모듈</a:t>
                       </a:r>
                       <a:endParaRPr dirty="0">
                         <a:solidFill>
@@ -31409,7 +31033,7 @@
                         <a:buNone/>
                       </a:pPr>
                       <a:r>
-                        <a:rPr lang="en" altLang="ko-KR" sz="1800" dirty="0">
+                        <a:rPr lang="en-US" sz="1800" dirty="0" err="1">
                           <a:solidFill>
                             <a:schemeClr val="dk1"/>
                           </a:solidFill>
@@ -31418,10 +31042,10 @@
                           <a:cs typeface="Livvic Medium"/>
                           <a:sym typeface="Livvic Medium"/>
                         </a:rPr>
-                        <a:t>5</a:t>
+                        <a:t>i</a:t>
                       </a:r>
                       <a:r>
-                        <a:rPr lang="ko-KR" altLang="en-US" sz="1800" dirty="0">
+                        <a:rPr lang="en" sz="1800" dirty="0">
                           <a:solidFill>
                             <a:schemeClr val="dk1"/>
                           </a:solidFill>
@@ -31430,7 +31054,7 @@
                           <a:cs typeface="Livvic Medium"/>
                           <a:sym typeface="Livvic Medium"/>
                         </a:rPr>
-                        <a:t>주차</a:t>
+                        <a:t>nternet.py</a:t>
                       </a:r>
                       <a:endParaRPr sz="1800" dirty="0">
                         <a:solidFill>
@@ -31505,7 +31129,7 @@
                         <a:buNone/>
                       </a:pPr>
                       <a:r>
-                        <a:rPr lang="ko-KR" altLang="en-US" dirty="0">
+                        <a:rPr lang="en-US" dirty="0">
                           <a:solidFill>
                             <a:schemeClr val="dk1"/>
                           </a:solidFill>
@@ -31514,19 +31138,7 @@
                           <a:cs typeface="Lato Light"/>
                           <a:sym typeface="Lato Light"/>
                         </a:rPr>
-                        <a:t>이미지 및 그래프 구현</a:t>
-                      </a:r>
-                      <a:r>
-                        <a:rPr lang="en-US" altLang="ko-KR" dirty="0">
-                          <a:solidFill>
-                            <a:schemeClr val="dk1"/>
-                          </a:solidFill>
-                          <a:latin typeface="배달의민족 한나체 Air" panose="020B0600000101010101" pitchFamily="50" charset="-127"/>
-                          <a:ea typeface="배달의민족 한나체 Air" panose="020B0600000101010101" pitchFamily="50" charset="-127"/>
-                          <a:cs typeface="Lato Light"/>
-                          <a:sym typeface="Lato Light"/>
-                        </a:rPr>
-                        <a:t>, C/C++ </a:t>
+                        <a:t>Open API </a:t>
                       </a:r>
                       <a:r>
                         <a:rPr lang="ko-KR" altLang="en-US" dirty="0">
@@ -31538,7 +31150,7 @@
                           <a:cs typeface="Lato Light"/>
                           <a:sym typeface="Lato Light"/>
                         </a:rPr>
-                        <a:t>연동</a:t>
+                        <a:t>연동과 연관된 함수</a:t>
                       </a:r>
                       <a:endParaRPr dirty="0">
                         <a:solidFill>
@@ -31613,7 +31225,7 @@
                         <a:buNone/>
                       </a:pPr>
                       <a:r>
-                        <a:rPr lang="en" dirty="0">
+                        <a:rPr lang="ko-KR" altLang="en-US" dirty="0">
                           <a:solidFill>
                             <a:schemeClr val="dk1"/>
                           </a:solidFill>
@@ -31622,7 +31234,7 @@
                           <a:cs typeface="Lato Light"/>
                           <a:sym typeface="Lato Light"/>
                         </a:rPr>
-                        <a:t>100</a:t>
+                        <a:t>모듈</a:t>
                       </a:r>
                       <a:endParaRPr dirty="0">
                         <a:solidFill>
@@ -31704,6 +31316,18 @@
                         <a:buNone/>
                       </a:pPr>
                       <a:r>
+                        <a:rPr lang="en-US" altLang="ko-KR" sz="1800" dirty="0">
+                          <a:solidFill>
+                            <a:schemeClr val="dk1"/>
+                          </a:solidFill>
+                          <a:latin typeface="배달의민족 한나체 Air" panose="020B0600000101010101" pitchFamily="50" charset="-127"/>
+                          <a:ea typeface="배달의민족 한나체 Air" panose="020B0600000101010101" pitchFamily="50" charset="-127"/>
+                          <a:cs typeface="Livvic Medium"/>
+                          <a:sym typeface="Livvic Medium"/>
+                        </a:rPr>
+                        <a:t>p</a:t>
+                      </a:r>
+                      <a:r>
                         <a:rPr lang="en" altLang="ko-KR" sz="1800" dirty="0">
                           <a:solidFill>
                             <a:schemeClr val="dk1"/>
@@ -31713,19 +31337,7 @@
                           <a:cs typeface="Livvic Medium"/>
                           <a:sym typeface="Livvic Medium"/>
                         </a:rPr>
-                        <a:t>6</a:t>
-                      </a:r>
-                      <a:r>
-                        <a:rPr lang="ko-KR" altLang="en-US" sz="1800" dirty="0">
-                          <a:solidFill>
-                            <a:schemeClr val="dk1"/>
-                          </a:solidFill>
-                          <a:latin typeface="배달의민족 한나체 Air" panose="020B0600000101010101" pitchFamily="50" charset="-127"/>
-                          <a:ea typeface="배달의민족 한나체 Air" panose="020B0600000101010101" pitchFamily="50" charset="-127"/>
-                          <a:cs typeface="Livvic Medium"/>
-                          <a:sym typeface="Livvic Medium"/>
-                        </a:rPr>
-                        <a:t>주차</a:t>
+                        <a:t>roject.py</a:t>
                       </a:r>
                       <a:endParaRPr lang="en-US" altLang="ko-KR" sz="1800" dirty="0">
                         <a:solidFill>
@@ -31800,6 +31412,18 @@
                         <a:buNone/>
                       </a:pPr>
                       <a:r>
+                        <a:rPr lang="en-US" dirty="0" err="1">
+                          <a:solidFill>
+                            <a:schemeClr val="dk1"/>
+                          </a:solidFill>
+                          <a:latin typeface="배달의민족 한나체 Air" panose="020B0600000101010101" pitchFamily="50" charset="-127"/>
+                          <a:ea typeface="배달의민족 한나체 Air" panose="020B0600000101010101" pitchFamily="50" charset="-127"/>
+                          <a:cs typeface="Lato Light"/>
+                          <a:sym typeface="Lato Light"/>
+                        </a:rPr>
+                        <a:t>Tkinter</a:t>
+                      </a:r>
+                      <a:r>
                         <a:rPr lang="ko-KR" altLang="en-US" dirty="0">
                           <a:solidFill>
                             <a:schemeClr val="dk1"/>
@@ -31809,7 +31433,7 @@
                           <a:cs typeface="Lato Light"/>
                           <a:sym typeface="Lato Light"/>
                         </a:rPr>
-                        <a:t>배포파일 제작</a:t>
+                        <a:t> 환경 세팅</a:t>
                       </a:r>
                       <a:r>
                         <a:rPr lang="en-US" altLang="ko-KR" dirty="0">
@@ -31821,19 +31445,7 @@
                           <a:cs typeface="Lato Light"/>
                           <a:sym typeface="Lato Light"/>
                         </a:rPr>
-                        <a:t>, </a:t>
-                      </a:r>
-                      <a:r>
-                        <a:rPr lang="ko-KR" altLang="en-US" dirty="0" err="1">
-                          <a:solidFill>
-                            <a:schemeClr val="dk1"/>
-                          </a:solidFill>
-                          <a:latin typeface="배달의민족 한나체 Air" panose="020B0600000101010101" pitchFamily="50" charset="-127"/>
-                          <a:ea typeface="배달의민족 한나체 Air" panose="020B0600000101010101" pitchFamily="50" charset="-127"/>
-                          <a:cs typeface="Lato Light"/>
-                          <a:sym typeface="Lato Light"/>
-                        </a:rPr>
-                        <a:t>텔레그램봇</a:t>
+                        <a:t> (</a:t>
                       </a:r>
                       <a:r>
                         <a:rPr lang="ko-KR" altLang="en-US" dirty="0">
@@ -31845,7 +31457,19 @@
                           <a:cs typeface="Lato Light"/>
                           <a:sym typeface="Lato Light"/>
                         </a:rPr>
-                        <a:t> 연동</a:t>
+                        <a:t>메인 모듈</a:t>
+                      </a:r>
+                      <a:r>
+                        <a:rPr lang="en-US" altLang="ko-KR" dirty="0">
+                          <a:solidFill>
+                            <a:schemeClr val="dk1"/>
+                          </a:solidFill>
+                          <a:latin typeface="배달의민족 한나체 Air" panose="020B0600000101010101" pitchFamily="50" charset="-127"/>
+                          <a:ea typeface="배달의민족 한나체 Air" panose="020B0600000101010101" pitchFamily="50" charset="-127"/>
+                          <a:cs typeface="Lato Light"/>
+                          <a:sym typeface="Lato Light"/>
+                        </a:rPr>
+                        <a:t>)</a:t>
                       </a:r>
                       <a:endParaRPr dirty="0">
                         <a:solidFill>
@@ -31920,7 +31544,7 @@
                         <a:buNone/>
                       </a:pPr>
                       <a:r>
-                        <a:rPr lang="en" dirty="0">
+                        <a:rPr lang="ko-KR" altLang="en-US" dirty="0">
                           <a:solidFill>
                             <a:schemeClr val="dk1"/>
                           </a:solidFill>
@@ -31929,7 +31553,7 @@
                           <a:cs typeface="Lato Light"/>
                           <a:sym typeface="Lato Light"/>
                         </a:rPr>
-                        <a:t>100</a:t>
+                        <a:t>모듈</a:t>
                       </a:r>
                       <a:endParaRPr dirty="0">
                         <a:solidFill>
@@ -32001,10 +31625,10 @@
       </p:graphicFrame>
       <p:graphicFrame>
         <p:nvGraphicFramePr>
-          <p:cNvPr id="49" name="Google Shape;380;p45">
+          <p:cNvPr id="9" name="Google Shape;380;p45">
             <a:extLst>
               <a:ext uri="{FF2B5EF4-FFF2-40B4-BE49-F238E27FC236}">
-                <a16:creationId xmlns:a16="http://schemas.microsoft.com/office/drawing/2014/main" id="{37C9205C-C17C-427E-628C-C59529703EC6}"/>
+                <a16:creationId xmlns:a16="http://schemas.microsoft.com/office/drawing/2014/main" id="{58B9D88D-5893-EABF-153D-141299B9832E}"/>
               </a:ext>
             </a:extLst>
           </p:cNvPr>
@@ -32012,13 +31636,13 @@
           <p:nvPr>
             <p:extLst>
               <p:ext uri="{D42A27DB-BD31-4B8C-83A1-F6EECF244321}">
-                <p14:modId xmlns:p14="http://schemas.microsoft.com/office/powerpoint/2010/main" val="1282818524"/>
+                <p14:modId xmlns:p14="http://schemas.microsoft.com/office/powerpoint/2010/main" val="688460475"/>
               </p:ext>
             </p:extLst>
           </p:nvPr>
         </p:nvGraphicFramePr>
         <p:xfrm>
-          <a:off x="-4512" y="3794277"/>
+          <a:off x="0" y="3643474"/>
           <a:ext cx="9175664" cy="914340"/>
         </p:xfrm>
         <a:graphic>
@@ -32290,7 +31914,7 @@
                         <a:buNone/>
                       </a:pPr>
                       <a:r>
-                        <a:rPr lang="en" altLang="ko-KR" sz="1800" dirty="0">
+                        <a:rPr lang="en-US" altLang="ko-KR" sz="1800" dirty="0">
                           <a:solidFill>
                             <a:schemeClr val="dk1"/>
                           </a:solidFill>
@@ -32299,19 +31923,7 @@
                           <a:cs typeface="Livvic Medium"/>
                           <a:sym typeface="Livvic Medium"/>
                         </a:rPr>
-                        <a:t>7</a:t>
-                      </a:r>
-                      <a:r>
-                        <a:rPr lang="ko-KR" altLang="en-US" sz="1800" dirty="0">
-                          <a:solidFill>
-                            <a:schemeClr val="dk1"/>
-                          </a:solidFill>
-                          <a:latin typeface="배달의민족 한나체 Air" panose="020B0600000101010101" pitchFamily="50" charset="-127"/>
-                          <a:ea typeface="배달의민족 한나체 Air" panose="020B0600000101010101" pitchFamily="50" charset="-127"/>
-                          <a:cs typeface="Livvic Medium"/>
-                          <a:sym typeface="Livvic Medium"/>
-                        </a:rPr>
-                        <a:t>주차</a:t>
+                        <a:t>setup.py</a:t>
                       </a:r>
                       <a:endParaRPr sz="1800" dirty="0">
                         <a:solidFill>
@@ -32395,7 +32007,7 @@
                           <a:cs typeface="Lato Light"/>
                           <a:sym typeface="Lato Light"/>
                         </a:rPr>
-                        <a:t>오류 수정 및 최종 발표</a:t>
+                        <a:t>배포 시 세팅</a:t>
                       </a:r>
                       <a:endParaRPr dirty="0">
                         <a:solidFill>
@@ -32470,7 +32082,7 @@
                         <a:buNone/>
                       </a:pPr>
                       <a:r>
-                        <a:rPr lang="en" dirty="0">
+                        <a:rPr lang="ko-KR" altLang="en-US" dirty="0">
                           <a:solidFill>
                             <a:schemeClr val="dk1"/>
                           </a:solidFill>
@@ -32479,7 +32091,581 @@
                           <a:cs typeface="Lato Light"/>
                           <a:sym typeface="Lato Light"/>
                         </a:rPr>
-                        <a:t>100</a:t>
+                        <a:t>배포용</a:t>
+                      </a:r>
+                      <a:endParaRPr dirty="0">
+                        <a:solidFill>
+                          <a:schemeClr val="dk1"/>
+                        </a:solidFill>
+                        <a:latin typeface="배달의민족 한나체 Air" panose="020B0600000101010101" pitchFamily="50" charset="-127"/>
+                        <a:ea typeface="배달의민족 한나체 Air" panose="020B0600000101010101" pitchFamily="50" charset="-127"/>
+                        <a:cs typeface="Lato Light"/>
+                        <a:sym typeface="Lato Light"/>
+                      </a:endParaRPr>
+                    </a:p>
+                  </a:txBody>
+                  <a:tcPr marL="91425" marR="91425" marT="91425" marB="91425" anchor="ctr">
+                    <a:lnL w="9525" cap="flat" cmpd="sng" algn="ctr">
+                      <a:solidFill>
+                        <a:srgbClr val="9E9E9E">
+                          <a:alpha val="0"/>
+                        </a:srgbClr>
+                      </a:solidFill>
+                      <a:prstDash val="solid"/>
+                      <a:round/>
+                      <a:headEnd type="none" w="sm" len="sm"/>
+                      <a:tailEnd type="none" w="sm" len="sm"/>
+                    </a:lnL>
+                    <a:lnR w="9525" cap="flat" cmpd="sng">
+                      <a:solidFill>
+                        <a:srgbClr val="9E9E9E">
+                          <a:alpha val="0"/>
+                        </a:srgbClr>
+                      </a:solidFill>
+                      <a:prstDash val="solid"/>
+                      <a:round/>
+                      <a:headEnd type="none" w="sm" len="sm"/>
+                      <a:tailEnd type="none" w="sm" len="sm"/>
+                    </a:lnR>
+                    <a:lnT w="9525" cap="flat" cmpd="sng" algn="ctr">
+                      <a:solidFill>
+                        <a:srgbClr val="000000">
+                          <a:alpha val="0"/>
+                        </a:srgbClr>
+                      </a:solidFill>
+                      <a:prstDash val="solid"/>
+                      <a:round/>
+                      <a:headEnd type="none" w="sm" len="sm"/>
+                      <a:tailEnd type="none" w="sm" len="sm"/>
+                    </a:lnT>
+                    <a:lnB w="9525" cap="flat" cmpd="sng">
+                      <a:solidFill>
+                        <a:srgbClr val="000000">
+                          <a:alpha val="0"/>
+                        </a:srgbClr>
+                      </a:solidFill>
+                      <a:prstDash val="solid"/>
+                      <a:round/>
+                      <a:headEnd type="none" w="sm" len="sm"/>
+                      <a:tailEnd type="none" w="sm" len="sm"/>
+                    </a:lnB>
+                  </a:tcPr>
+                </a:tc>
+                <a:extLst>
+                  <a:ext uri="{0D108BD9-81ED-4DB2-BD59-A6C34878D82A}">
+                    <a16:rowId xmlns:a16="http://schemas.microsoft.com/office/drawing/2014/main" val="10001"/>
+                  </a:ext>
+                </a:extLst>
+              </a:tr>
+            </a:tbl>
+          </a:graphicData>
+        </a:graphic>
+      </p:graphicFrame>
+      <p:graphicFrame>
+        <p:nvGraphicFramePr>
+          <p:cNvPr id="10" name="Google Shape;380;p45">
+            <a:extLst>
+              <a:ext uri="{FF2B5EF4-FFF2-40B4-BE49-F238E27FC236}">
+                <a16:creationId xmlns:a16="http://schemas.microsoft.com/office/drawing/2014/main" id="{1298E7B5-E197-4B03-CFCC-C52FF7139F57}"/>
+              </a:ext>
+            </a:extLst>
+          </p:cNvPr>
+          <p:cNvGraphicFramePr/>
+          <p:nvPr>
+            <p:extLst>
+              <p:ext uri="{D42A27DB-BD31-4B8C-83A1-F6EECF244321}">
+                <p14:modId xmlns:p14="http://schemas.microsoft.com/office/powerpoint/2010/main" val="1752434399"/>
+              </p:ext>
+            </p:extLst>
+          </p:nvPr>
+        </p:nvGraphicFramePr>
+        <p:xfrm>
+          <a:off x="0" y="4129882"/>
+          <a:ext cx="9175664" cy="914340"/>
+        </p:xfrm>
+        <a:graphic>
+          <a:graphicData uri="http://schemas.openxmlformats.org/drawingml/2006/table">
+            <a:tbl>
+              <a:tblPr>
+                <a:noFill/>
+                <a:tableStyleId>{7F5CC24F-9CB1-45AD-8D3A-F97869557A88}</a:tableStyleId>
+              </a:tblPr>
+              <a:tblGrid>
+                <a:gridCol w="2612938">
+                  <a:extLst>
+                    <a:ext uri="{9D8B030D-6E8A-4147-A177-3AD203B41FA5}">
+                      <a16:colId xmlns:a16="http://schemas.microsoft.com/office/drawing/2014/main" val="20000"/>
+                    </a:ext>
+                  </a:extLst>
+                </a:gridCol>
+                <a:gridCol w="3128680">
+                  <a:extLst>
+                    <a:ext uri="{9D8B030D-6E8A-4147-A177-3AD203B41FA5}">
+                      <a16:colId xmlns:a16="http://schemas.microsoft.com/office/drawing/2014/main" val="20001"/>
+                    </a:ext>
+                  </a:extLst>
+                </a:gridCol>
+                <a:gridCol w="3434046">
+                  <a:extLst>
+                    <a:ext uri="{9D8B030D-6E8A-4147-A177-3AD203B41FA5}">
+                      <a16:colId xmlns:a16="http://schemas.microsoft.com/office/drawing/2014/main" val="20003"/>
+                    </a:ext>
+                  </a:extLst>
+                </a:gridCol>
+              </a:tblGrid>
+              <a:tr h="0">
+                <a:tc>
+                  <a:txBody>
+                    <a:bodyPr/>
+                    <a:lstStyle/>
+                    <a:p>
+                      <a:pPr marL="0" lvl="0" indent="0" algn="ctr" rtl="0">
+                        <a:spcBef>
+                          <a:spcPts val="0"/>
+                        </a:spcBef>
+                        <a:spcAft>
+                          <a:spcPts val="0"/>
+                        </a:spcAft>
+                        <a:buNone/>
+                      </a:pPr>
+                      <a:endParaRPr b="1" dirty="0">
+                        <a:solidFill>
+                          <a:schemeClr val="dk1"/>
+                        </a:solidFill>
+                        <a:latin typeface="배달의민족 한나체 Air" panose="020B0600000101010101" pitchFamily="50" charset="-127"/>
+                        <a:ea typeface="배달의민족 한나체 Air" panose="020B0600000101010101" pitchFamily="50" charset="-127"/>
+                        <a:cs typeface="Livvic"/>
+                        <a:sym typeface="Livvic"/>
+                      </a:endParaRPr>
+                    </a:p>
+                  </a:txBody>
+                  <a:tcPr marL="91425" marR="91425" marT="91425" marB="91425" anchor="ctr">
+                    <a:lnL w="9525" cap="flat" cmpd="sng">
+                      <a:solidFill>
+                        <a:srgbClr val="9E9E9E">
+                          <a:alpha val="0"/>
+                        </a:srgbClr>
+                      </a:solidFill>
+                      <a:prstDash val="solid"/>
+                      <a:round/>
+                      <a:headEnd type="none" w="sm" len="sm"/>
+                      <a:tailEnd type="none" w="sm" len="sm"/>
+                    </a:lnL>
+                    <a:lnR w="9525" cap="flat" cmpd="sng">
+                      <a:solidFill>
+                        <a:srgbClr val="9E9E9E">
+                          <a:alpha val="0"/>
+                        </a:srgbClr>
+                      </a:solidFill>
+                      <a:prstDash val="solid"/>
+                      <a:round/>
+                      <a:headEnd type="none" w="sm" len="sm"/>
+                      <a:tailEnd type="none" w="sm" len="sm"/>
+                    </a:lnR>
+                    <a:lnT w="9525" cap="flat" cmpd="sng">
+                      <a:solidFill>
+                        <a:srgbClr val="9E9E9E">
+                          <a:alpha val="0"/>
+                        </a:srgbClr>
+                      </a:solidFill>
+                      <a:prstDash val="solid"/>
+                      <a:round/>
+                      <a:headEnd type="none" w="sm" len="sm"/>
+                      <a:tailEnd type="none" w="sm" len="sm"/>
+                    </a:lnT>
+                    <a:lnB w="9525" cap="flat" cmpd="sng">
+                      <a:solidFill>
+                        <a:srgbClr val="9E9E9E">
+                          <a:alpha val="0"/>
+                        </a:srgbClr>
+                      </a:solidFill>
+                      <a:prstDash val="solid"/>
+                      <a:round/>
+                      <a:headEnd type="none" w="sm" len="sm"/>
+                      <a:tailEnd type="none" w="sm" len="sm"/>
+                    </a:lnB>
+                  </a:tcPr>
+                </a:tc>
+                <a:tc>
+                  <a:txBody>
+                    <a:bodyPr/>
+                    <a:lstStyle/>
+                    <a:p>
+                      <a:pPr marL="0" lvl="0" indent="0" algn="ctr" rtl="0">
+                        <a:spcBef>
+                          <a:spcPts val="0"/>
+                        </a:spcBef>
+                        <a:spcAft>
+                          <a:spcPts val="0"/>
+                        </a:spcAft>
+                        <a:buNone/>
+                      </a:pPr>
+                      <a:endParaRPr sz="1800" dirty="0">
+                        <a:solidFill>
+                          <a:schemeClr val="dk1"/>
+                        </a:solidFill>
+                        <a:latin typeface="배달의민족 한나체 Air" panose="020B0600000101010101" pitchFamily="50" charset="-127"/>
+                        <a:ea typeface="배달의민족 한나체 Air" panose="020B0600000101010101" pitchFamily="50" charset="-127"/>
+                        <a:cs typeface="Livvic Medium"/>
+                        <a:sym typeface="Livvic Medium"/>
+                      </a:endParaRPr>
+                    </a:p>
+                  </a:txBody>
+                  <a:tcPr marL="91425" marR="91425" marT="91425" marB="91425" anchor="ctr">
+                    <a:lnL w="9525" cap="flat" cmpd="sng">
+                      <a:solidFill>
+                        <a:srgbClr val="9E9E9E">
+                          <a:alpha val="0"/>
+                        </a:srgbClr>
+                      </a:solidFill>
+                      <a:prstDash val="solid"/>
+                      <a:round/>
+                      <a:headEnd type="none" w="sm" len="sm"/>
+                      <a:tailEnd type="none" w="sm" len="sm"/>
+                    </a:lnL>
+                    <a:lnR w="9525" cap="flat" cmpd="sng">
+                      <a:solidFill>
+                        <a:srgbClr val="9E9E9E">
+                          <a:alpha val="0"/>
+                        </a:srgbClr>
+                      </a:solidFill>
+                      <a:prstDash val="solid"/>
+                      <a:round/>
+                      <a:headEnd type="none" w="sm" len="sm"/>
+                      <a:tailEnd type="none" w="sm" len="sm"/>
+                    </a:lnR>
+                    <a:lnT w="9525" cap="flat" cmpd="sng">
+                      <a:solidFill>
+                        <a:srgbClr val="9E9E9E">
+                          <a:alpha val="0"/>
+                        </a:srgbClr>
+                      </a:solidFill>
+                      <a:prstDash val="solid"/>
+                      <a:round/>
+                      <a:headEnd type="none" w="sm" len="sm"/>
+                      <a:tailEnd type="none" w="sm" len="sm"/>
+                    </a:lnT>
+                    <a:lnB w="9525" cap="flat" cmpd="sng">
+                      <a:solidFill>
+                        <a:srgbClr val="000000">
+                          <a:alpha val="0"/>
+                        </a:srgbClr>
+                      </a:solidFill>
+                      <a:prstDash val="solid"/>
+                      <a:round/>
+                      <a:headEnd type="none" w="sm" len="sm"/>
+                      <a:tailEnd type="none" w="sm" len="sm"/>
+                    </a:lnB>
+                  </a:tcPr>
+                </a:tc>
+                <a:tc>
+                  <a:txBody>
+                    <a:bodyPr/>
+                    <a:lstStyle/>
+                    <a:p>
+                      <a:pPr marL="0" lvl="0" indent="0" algn="ctr" rtl="0">
+                        <a:spcBef>
+                          <a:spcPts val="0"/>
+                        </a:spcBef>
+                        <a:spcAft>
+                          <a:spcPts val="0"/>
+                        </a:spcAft>
+                        <a:buNone/>
+                      </a:pPr>
+                      <a:endParaRPr sz="1800" dirty="0">
+                        <a:solidFill>
+                          <a:schemeClr val="dk1"/>
+                        </a:solidFill>
+                        <a:latin typeface="배달의민족 한나체 Air" panose="020B0600000101010101" pitchFamily="50" charset="-127"/>
+                        <a:ea typeface="배달의민족 한나체 Air" panose="020B0600000101010101" pitchFamily="50" charset="-127"/>
+                        <a:cs typeface="Livvic Medium"/>
+                        <a:sym typeface="Livvic Medium"/>
+                      </a:endParaRPr>
+                    </a:p>
+                  </a:txBody>
+                  <a:tcPr marL="91425" marR="91425" marT="91425" marB="91425" anchor="ctr">
+                    <a:lnL w="9525" cap="flat" cmpd="sng" algn="ctr">
+                      <a:solidFill>
+                        <a:srgbClr val="9E9E9E">
+                          <a:alpha val="0"/>
+                        </a:srgbClr>
+                      </a:solidFill>
+                      <a:prstDash val="solid"/>
+                      <a:round/>
+                      <a:headEnd type="none" w="sm" len="sm"/>
+                      <a:tailEnd type="none" w="sm" len="sm"/>
+                    </a:lnL>
+                    <a:lnR w="9525" cap="flat" cmpd="sng">
+                      <a:solidFill>
+                        <a:srgbClr val="9E9E9E">
+                          <a:alpha val="0"/>
+                        </a:srgbClr>
+                      </a:solidFill>
+                      <a:prstDash val="solid"/>
+                      <a:round/>
+                      <a:headEnd type="none" w="sm" len="sm"/>
+                      <a:tailEnd type="none" w="sm" len="sm"/>
+                    </a:lnR>
+                    <a:lnT w="9525" cap="flat" cmpd="sng">
+                      <a:solidFill>
+                        <a:srgbClr val="9E9E9E">
+                          <a:alpha val="0"/>
+                        </a:srgbClr>
+                      </a:solidFill>
+                      <a:prstDash val="solid"/>
+                      <a:round/>
+                      <a:headEnd type="none" w="sm" len="sm"/>
+                      <a:tailEnd type="none" w="sm" len="sm"/>
+                    </a:lnT>
+                    <a:lnB w="9525" cap="flat" cmpd="sng" algn="ctr">
+                      <a:solidFill>
+                        <a:srgbClr val="000000">
+                          <a:alpha val="0"/>
+                        </a:srgbClr>
+                      </a:solidFill>
+                      <a:prstDash val="solid"/>
+                      <a:round/>
+                      <a:headEnd type="none" w="sm" len="sm"/>
+                      <a:tailEnd type="none" w="sm" len="sm"/>
+                    </a:lnB>
+                  </a:tcPr>
+                </a:tc>
+                <a:extLst>
+                  <a:ext uri="{0D108BD9-81ED-4DB2-BD59-A6C34878D82A}">
+                    <a16:rowId xmlns:a16="http://schemas.microsoft.com/office/drawing/2014/main" val="10000"/>
+                  </a:ext>
+                </a:extLst>
+              </a:tr>
+              <a:tr h="0">
+                <a:tc>
+                  <a:txBody>
+                    <a:bodyPr/>
+                    <a:lstStyle/>
+                    <a:p>
+                      <a:pPr marL="0" lvl="0" indent="0" algn="ctr" rtl="0">
+                        <a:spcBef>
+                          <a:spcPts val="0"/>
+                        </a:spcBef>
+                        <a:spcAft>
+                          <a:spcPts val="0"/>
+                        </a:spcAft>
+                        <a:buNone/>
+                      </a:pPr>
+                      <a:r>
+                        <a:rPr lang="en-US" altLang="ko-KR" sz="1800" dirty="0" err="1">
+                          <a:solidFill>
+                            <a:schemeClr val="dk1"/>
+                          </a:solidFill>
+                          <a:latin typeface="배달의민족 한나체 Air" panose="020B0600000101010101" pitchFamily="50" charset="-127"/>
+                          <a:ea typeface="배달의민족 한나체 Air" panose="020B0600000101010101" pitchFamily="50" charset="-127"/>
+                          <a:cs typeface="Livvic Medium"/>
+                          <a:sym typeface="Livvic Medium"/>
+                        </a:rPr>
+                        <a:t>spammodule.c</a:t>
+                      </a:r>
+                      <a:endParaRPr sz="1800" dirty="0">
+                        <a:solidFill>
+                          <a:schemeClr val="dk1"/>
+                        </a:solidFill>
+                        <a:latin typeface="배달의민족 한나체 Air" panose="020B0600000101010101" pitchFamily="50" charset="-127"/>
+                        <a:ea typeface="배달의민족 한나체 Air" panose="020B0600000101010101" pitchFamily="50" charset="-127"/>
+                        <a:cs typeface="Livvic Medium"/>
+                        <a:sym typeface="Livvic Medium"/>
+                      </a:endParaRPr>
+                    </a:p>
+                  </a:txBody>
+                  <a:tcPr marL="91425" marR="91425" marT="91425" marB="91425" anchor="ctr">
+                    <a:lnL w="9525" cap="flat" cmpd="sng">
+                      <a:solidFill>
+                        <a:srgbClr val="9E9E9E">
+                          <a:alpha val="0"/>
+                        </a:srgbClr>
+                      </a:solidFill>
+                      <a:prstDash val="solid"/>
+                      <a:round/>
+                      <a:headEnd type="none" w="sm" len="sm"/>
+                      <a:tailEnd type="none" w="sm" len="sm"/>
+                    </a:lnL>
+                    <a:lnR w="9525" cap="flat" cmpd="sng">
+                      <a:solidFill>
+                        <a:srgbClr val="9E9E9E">
+                          <a:alpha val="0"/>
+                        </a:srgbClr>
+                      </a:solidFill>
+                      <a:prstDash val="solid"/>
+                      <a:round/>
+                      <a:headEnd type="none" w="sm" len="sm"/>
+                      <a:tailEnd type="none" w="sm" len="sm"/>
+                    </a:lnR>
+                    <a:lnT w="9525" cap="flat" cmpd="sng">
+                      <a:solidFill>
+                        <a:srgbClr val="9E9E9E">
+                          <a:alpha val="0"/>
+                        </a:srgbClr>
+                      </a:solidFill>
+                      <a:prstDash val="solid"/>
+                      <a:round/>
+                      <a:headEnd type="none" w="sm" len="sm"/>
+                      <a:tailEnd type="none" w="sm" len="sm"/>
+                    </a:lnT>
+                    <a:lnB w="9525" cap="flat" cmpd="sng">
+                      <a:solidFill>
+                        <a:srgbClr val="000000">
+                          <a:alpha val="0"/>
+                        </a:srgbClr>
+                      </a:solidFill>
+                      <a:prstDash val="solid"/>
+                      <a:round/>
+                      <a:headEnd type="none" w="sm" len="sm"/>
+                      <a:tailEnd type="none" w="sm" len="sm"/>
+                    </a:lnB>
+                  </a:tcPr>
+                </a:tc>
+                <a:tc>
+                  <a:txBody>
+                    <a:bodyPr/>
+                    <a:lstStyle/>
+                    <a:p>
+                      <a:pPr marL="0" lvl="0" indent="0" algn="ctr" rtl="0">
+                        <a:spcBef>
+                          <a:spcPts val="0"/>
+                        </a:spcBef>
+                        <a:spcAft>
+                          <a:spcPts val="0"/>
+                        </a:spcAft>
+                        <a:buNone/>
+                      </a:pPr>
+                      <a:r>
+                        <a:rPr lang="ko-KR" altLang="en-US" dirty="0">
+                          <a:solidFill>
+                            <a:schemeClr val="dk1"/>
+                          </a:solidFill>
+                          <a:latin typeface="배달의민족 한나체 Air" panose="020B0600000101010101" pitchFamily="50" charset="-127"/>
+                          <a:ea typeface="배달의민족 한나체 Air" panose="020B0600000101010101" pitchFamily="50" charset="-127"/>
+                          <a:cs typeface="Lato Light"/>
+                          <a:sym typeface="Lato Light"/>
+                        </a:rPr>
+                        <a:t>항목 개수 세기</a:t>
+                      </a:r>
+                      <a:r>
+                        <a:rPr lang="en-US" altLang="ko-KR" dirty="0">
+                          <a:solidFill>
+                            <a:schemeClr val="dk1"/>
+                          </a:solidFill>
+                          <a:latin typeface="배달의민족 한나체 Air" panose="020B0600000101010101" pitchFamily="50" charset="-127"/>
+                          <a:ea typeface="배달의민족 한나체 Air" panose="020B0600000101010101" pitchFamily="50" charset="-127"/>
+                          <a:cs typeface="Lato Light"/>
+                          <a:sym typeface="Lato Light"/>
+                        </a:rPr>
+                        <a:t>, </a:t>
+                      </a:r>
+                      <a:r>
+                        <a:rPr lang="ko-KR" altLang="en-US" dirty="0">
+                          <a:solidFill>
+                            <a:schemeClr val="dk1"/>
+                          </a:solidFill>
+                          <a:latin typeface="배달의민족 한나체 Air" panose="020B0600000101010101" pitchFamily="50" charset="-127"/>
+                          <a:ea typeface="배달의민족 한나체 Air" panose="020B0600000101010101" pitchFamily="50" charset="-127"/>
+                          <a:cs typeface="Lato Light"/>
+                          <a:sym typeface="Lato Light"/>
+                        </a:rPr>
+                        <a:t>문자열 출력</a:t>
+                      </a:r>
+                      <a:endParaRPr dirty="0">
+                        <a:solidFill>
+                          <a:schemeClr val="dk1"/>
+                        </a:solidFill>
+                        <a:latin typeface="배달의민족 한나체 Air" panose="020B0600000101010101" pitchFamily="50" charset="-127"/>
+                        <a:ea typeface="배달의민족 한나체 Air" panose="020B0600000101010101" pitchFamily="50" charset="-127"/>
+                        <a:cs typeface="Lato Light"/>
+                        <a:sym typeface="Lato Light"/>
+                      </a:endParaRPr>
+                    </a:p>
+                  </a:txBody>
+                  <a:tcPr marL="91425" marR="91425" marT="91425" marB="91425" anchor="ctr">
+                    <a:lnL w="9525" cap="flat" cmpd="sng">
+                      <a:solidFill>
+                        <a:srgbClr val="9E9E9E">
+                          <a:alpha val="0"/>
+                        </a:srgbClr>
+                      </a:solidFill>
+                      <a:prstDash val="solid"/>
+                      <a:round/>
+                      <a:headEnd type="none" w="sm" len="sm"/>
+                      <a:tailEnd type="none" w="sm" len="sm"/>
+                    </a:lnL>
+                    <a:lnR w="9525" cap="flat" cmpd="sng">
+                      <a:solidFill>
+                        <a:srgbClr val="9E9E9E">
+                          <a:alpha val="0"/>
+                        </a:srgbClr>
+                      </a:solidFill>
+                      <a:prstDash val="solid"/>
+                      <a:round/>
+                      <a:headEnd type="none" w="sm" len="sm"/>
+                      <a:tailEnd type="none" w="sm" len="sm"/>
+                    </a:lnR>
+                    <a:lnT w="9525" cap="flat" cmpd="sng">
+                      <a:solidFill>
+                        <a:srgbClr val="000000">
+                          <a:alpha val="0"/>
+                        </a:srgbClr>
+                      </a:solidFill>
+                      <a:prstDash val="solid"/>
+                      <a:round/>
+                      <a:headEnd type="none" w="sm" len="sm"/>
+                      <a:tailEnd type="none" w="sm" len="sm"/>
+                    </a:lnT>
+                    <a:lnB w="9525" cap="flat" cmpd="sng">
+                      <a:solidFill>
+                        <a:srgbClr val="000000">
+                          <a:alpha val="0"/>
+                        </a:srgbClr>
+                      </a:solidFill>
+                      <a:prstDash val="solid"/>
+                      <a:round/>
+                      <a:headEnd type="none" w="sm" len="sm"/>
+                      <a:tailEnd type="none" w="sm" len="sm"/>
+                    </a:lnB>
+                  </a:tcPr>
+                </a:tc>
+                <a:tc>
+                  <a:txBody>
+                    <a:bodyPr/>
+                    <a:lstStyle/>
+                    <a:p>
+                      <a:pPr marL="0" lvl="0" indent="0" algn="ctr" rtl="0">
+                        <a:spcBef>
+                          <a:spcPts val="0"/>
+                        </a:spcBef>
+                        <a:spcAft>
+                          <a:spcPts val="0"/>
+                        </a:spcAft>
+                        <a:buNone/>
+                      </a:pPr>
+                      <a:r>
+                        <a:rPr lang="en-US" dirty="0">
+                          <a:solidFill>
+                            <a:schemeClr val="dk1"/>
+                          </a:solidFill>
+                          <a:latin typeface="배달의민족 한나체 Air" panose="020B0600000101010101" pitchFamily="50" charset="-127"/>
+                          <a:ea typeface="배달의민족 한나체 Air" panose="020B0600000101010101" pitchFamily="50" charset="-127"/>
+                          <a:cs typeface="Lato Light"/>
+                          <a:sym typeface="Lato Light"/>
+                        </a:rPr>
+                        <a:t>C/C++ </a:t>
+                      </a:r>
+                      <a:r>
+                        <a:rPr lang="ko-KR" altLang="en-US" dirty="0">
+                          <a:solidFill>
+                            <a:schemeClr val="dk1"/>
+                          </a:solidFill>
+                          <a:latin typeface="배달의민족 한나체 Air" panose="020B0600000101010101" pitchFamily="50" charset="-127"/>
+                          <a:ea typeface="배달의민족 한나체 Air" panose="020B0600000101010101" pitchFamily="50" charset="-127"/>
+                          <a:cs typeface="Lato Light"/>
+                          <a:sym typeface="Lato Light"/>
+                        </a:rPr>
+                        <a:t>코드</a:t>
                       </a:r>
                       <a:endParaRPr dirty="0">
                         <a:solidFill>
@@ -32550,6 +32736,11 @@
         </a:graphic>
       </p:graphicFrame>
     </p:spTree>
+    <p:extLst>
+      <p:ext uri="{BB962C8B-B14F-4D97-AF65-F5344CB8AC3E}">
+        <p14:creationId xmlns:p14="http://schemas.microsoft.com/office/powerpoint/2010/main" val="697722574"/>
+      </p:ext>
+    </p:extLst>
   </p:cSld>
   <p:clrMapOvr>
     <a:masterClrMapping/>
@@ -32647,8 +32838,37 @@
         </p:blipFill>
         <p:spPr>
           <a:xfrm>
-            <a:off x="971238" y="1535340"/>
+            <a:off x="971213" y="957200"/>
             <a:ext cx="7201524" cy="2072820"/>
+          </a:xfrm>
+          <a:prstGeom prst="rect">
+            <a:avLst/>
+          </a:prstGeom>
+        </p:spPr>
+      </p:pic>
+      <p:pic>
+        <p:nvPicPr>
+          <p:cNvPr id="3" name="그림 2">
+            <a:extLst>
+              <a:ext uri="{FF2B5EF4-FFF2-40B4-BE49-F238E27FC236}">
+                <a16:creationId xmlns:a16="http://schemas.microsoft.com/office/drawing/2014/main" id="{83161B2E-680F-7A61-C6B0-012C1120CC4C}"/>
+              </a:ext>
+            </a:extLst>
+          </p:cNvPr>
+          <p:cNvPicPr>
+            <a:picLocks noChangeAspect="1"/>
+          </p:cNvPicPr>
+          <p:nvPr/>
+        </p:nvPicPr>
+        <p:blipFill rotWithShape="1">
+          <a:blip r:embed="rId4"/>
+          <a:srcRect b="59700"/>
+          <a:stretch/>
+        </p:blipFill>
+        <p:spPr>
+          <a:xfrm>
+            <a:off x="376348" y="3030020"/>
+            <a:ext cx="8391253" cy="2072820"/>
           </a:xfrm>
           <a:prstGeom prst="rect">
             <a:avLst/>
